--- a/PythonBootCamp/SlideShow/Section03-PythonObjectandDataStructureBasics/23. DictionariesInPython.pptx
+++ b/PythonBootCamp/SlideShow/Section03-PythonObjectandDataStructureBasics/23. DictionariesInPython.pptx
@@ -804,7 +804,7 @@
         </p:nvSpPr>
         <p:spPr>
           <a:xfrm>
-            <a:off x="381300" y="685800"/>
+            <a:off x="381000" y="685800"/>
             <a:ext cx="6096000" cy="3429000"/>
           </a:xfrm>
           <a:custGeom>
@@ -5305,7 +5305,7 @@
               <a:buChar char="●"/>
             </a:pPr>
             <a:r>
-              <a:rPr lang="en" sz="3867" b="1">
+              <a:rPr lang="en" sz="3867" b="1" dirty="0">
                 <a:solidFill>
                   <a:srgbClr val="434343"/>
                 </a:solidFill>
@@ -5317,7 +5317,7 @@
               <a:t>Dictionaries: </a:t>
             </a:r>
             <a:r>
-              <a:rPr lang="en" sz="3867">
+              <a:rPr lang="en" sz="3867" dirty="0">
                 <a:solidFill>
                   <a:srgbClr val="434343"/>
                 </a:solidFill>
@@ -5326,9 +5326,9 @@
                 <a:cs typeface="Montserrat"/>
                 <a:sym typeface="Montserrat"/>
               </a:rPr>
-              <a:t> Objects retrieved by key name.</a:t>
-            </a:r>
-            <a:endParaRPr sz="3867">
+              <a:t> Objects retrieved by key name, another word help you retrieved value from key automatically.</a:t>
+            </a:r>
+            <a:endParaRPr lang="en-US" sz="3867" dirty="0">
               <a:solidFill>
                 <a:srgbClr val="434343"/>
               </a:solidFill>
@@ -5349,7 +5349,7 @@
               <a:buNone/>
             </a:pPr>
             <a:r>
-              <a:rPr lang="en" sz="3867">
+              <a:rPr lang="en-US" sz="3867" dirty="0">
                 <a:solidFill>
                   <a:srgbClr val="434343"/>
                 </a:solidFill>
@@ -5360,15 +5360,6 @@
               </a:rPr>
               <a:t>Unordered and can not be sorted.</a:t>
             </a:r>
-            <a:endParaRPr sz="3867">
-              <a:solidFill>
-                <a:srgbClr val="434343"/>
-              </a:solidFill>
-              <a:latin typeface="Montserrat"/>
-              <a:ea typeface="Montserrat"/>
-              <a:cs typeface="Montserrat"/>
-              <a:sym typeface="Montserrat"/>
-            </a:endParaRPr>
           </a:p>
           <a:p>
             <a:pPr indent="-550320">
@@ -5386,7 +5377,7 @@
               <a:buChar char="●"/>
             </a:pPr>
             <a:r>
-              <a:rPr lang="en" sz="3867" b="1">
+              <a:rPr lang="en" sz="3867" b="1" dirty="0">
                 <a:solidFill>
                   <a:srgbClr val="434343"/>
                 </a:solidFill>
@@ -5398,7 +5389,7 @@
               <a:t>Lists:</a:t>
             </a:r>
             <a:r>
-              <a:rPr lang="en" sz="3867">
+              <a:rPr lang="en" sz="3867" dirty="0">
                 <a:solidFill>
                   <a:srgbClr val="434343"/>
                 </a:solidFill>
@@ -5409,7 +5400,7 @@
               </a:rPr>
               <a:t>  Objects retrieved by location.</a:t>
             </a:r>
-            <a:endParaRPr sz="3867">
+            <a:endParaRPr sz="3867" dirty="0">
               <a:solidFill>
                 <a:srgbClr val="434343"/>
               </a:solidFill>
@@ -5430,7 +5421,7 @@
               <a:buNone/>
             </a:pPr>
             <a:r>
-              <a:rPr lang="en" sz="3867">
+              <a:rPr lang="en" sz="3867" dirty="0">
                 <a:solidFill>
                   <a:srgbClr val="434343"/>
                 </a:solidFill>
@@ -5441,7 +5432,7 @@
               </a:rPr>
               <a:t>Ordered Sequence can be indexed or sliced.</a:t>
             </a:r>
-            <a:endParaRPr sz="3867">
+            <a:endParaRPr sz="3867" dirty="0">
               <a:solidFill>
                 <a:srgbClr val="434343"/>
               </a:solidFill>
@@ -5461,7 +5452,7 @@
               </a:spcBef>
               <a:buNone/>
             </a:pPr>
-            <a:endParaRPr sz="3867">
+            <a:endParaRPr sz="3867" dirty="0">
               <a:solidFill>
                 <a:srgbClr val="434343"/>
               </a:solidFill>
@@ -5481,7 +5472,7 @@
               </a:spcBef>
               <a:buNone/>
             </a:pPr>
-            <a:endParaRPr sz="3867">
+            <a:endParaRPr sz="3867" dirty="0">
               <a:solidFill>
                 <a:srgbClr val="434343"/>
               </a:solidFill>
@@ -5504,7 +5495,7 @@
               </a:spcAft>
               <a:buNone/>
             </a:pPr>
-            <a:endParaRPr sz="3867">
+            <a:endParaRPr sz="3867" dirty="0">
               <a:solidFill>
                 <a:srgbClr val="434343"/>
               </a:solidFill>
